--- a/lectures/03_remote_computing.pptx
+++ b/lectures/03_remote_computing.pptx
@@ -270,7 +270,7 @@
           <a:p>
             <a:fld id="{2AAB08EE-425C-7E44-9D2F-3328869B9756}" type="datetimeFigureOut">
               <a:rPr lang="en-US" smtClean="0"/>
-              <a:t>2/8/26</a:t>
+              <a:t>2/9/26</a:t>
             </a:fld>
             <a:endParaRPr lang="en-US"/>
           </a:p>
@@ -436,7 +436,7 @@
           <a:p>
             <a:fld id="{8563B117-C548-C24D-B5EC-9EEE3D79DFC1}" type="datetimeFigureOut">
               <a:rPr lang="en-US" smtClean="0"/>
-              <a:t>2/8/26</a:t>
+              <a:t>2/9/26</a:t>
             </a:fld>
             <a:endParaRPr lang="en-US"/>
           </a:p>
@@ -8426,7 +8426,21 @@
                 <a:latin typeface="Courier"/>
                 <a:cs typeface="Courier"/>
               </a:rPr>
-              <a:t>#SBATCH --tasks-per-node=32</a:t>
+              <a:t>#SBATCH --</a:t>
+            </a:r>
+            <a:r>
+              <a:rPr lang="en-US" dirty="0" err="1">
+                <a:latin typeface="Courier"/>
+                <a:cs typeface="Courier"/>
+              </a:rPr>
+              <a:t>cpus</a:t>
+            </a:r>
+            <a:r>
+              <a:rPr lang="en-US" dirty="0">
+                <a:latin typeface="Courier"/>
+                <a:cs typeface="Courier"/>
+              </a:rPr>
+              <a:t>-per-task=32</a:t>
             </a:r>
           </a:p>
           <a:p>
@@ -8812,7 +8826,21 @@
                 <a:latin typeface="Courier"/>
                 <a:cs typeface="Courier"/>
               </a:rPr>
-              <a:t>#SBATCH --tasks-per-node=32</a:t>
+              <a:t>#SBATCH --</a:t>
+            </a:r>
+            <a:r>
+              <a:rPr lang="en-US" dirty="0" err="1">
+                <a:latin typeface="Courier"/>
+                <a:cs typeface="Courier"/>
+              </a:rPr>
+              <a:t>cpus</a:t>
+            </a:r>
+            <a:r>
+              <a:rPr lang="en-US" dirty="0">
+                <a:latin typeface="Courier"/>
+                <a:cs typeface="Courier"/>
+              </a:rPr>
+              <a:t>-per-task=32</a:t>
             </a:r>
           </a:p>
           <a:p>
@@ -9186,7 +9214,21 @@
                 <a:latin typeface="Courier"/>
                 <a:cs typeface="Courier"/>
               </a:rPr>
-              <a:t>#SBATCH --tasks-per-node=32</a:t>
+              <a:t>#SBATCH --</a:t>
+            </a:r>
+            <a:r>
+              <a:rPr lang="en-US" dirty="0" err="1">
+                <a:latin typeface="Courier"/>
+                <a:cs typeface="Courier"/>
+              </a:rPr>
+              <a:t>cpus</a:t>
+            </a:r>
+            <a:r>
+              <a:rPr lang="en-US" dirty="0">
+                <a:latin typeface="Courier"/>
+                <a:cs typeface="Courier"/>
+              </a:rPr>
+              <a:t>-per-task=32</a:t>
             </a:r>
           </a:p>
           <a:p>
@@ -9572,7 +9614,21 @@
                 <a:latin typeface="Courier"/>
                 <a:cs typeface="Courier"/>
               </a:rPr>
-              <a:t>#SBATCH --tasks-per-node=32</a:t>
+              <a:t>#SBATCH --</a:t>
+            </a:r>
+            <a:r>
+              <a:rPr lang="en-US" dirty="0" err="1">
+                <a:latin typeface="Courier"/>
+                <a:cs typeface="Courier"/>
+              </a:rPr>
+              <a:t>cpus</a:t>
+            </a:r>
+            <a:r>
+              <a:rPr lang="en-US" dirty="0">
+                <a:latin typeface="Courier"/>
+                <a:cs typeface="Courier"/>
+              </a:rPr>
+              <a:t>-per-task=32</a:t>
             </a:r>
           </a:p>
           <a:p>
@@ -9946,7 +10002,21 @@
                 <a:latin typeface="Courier"/>
                 <a:cs typeface="Courier"/>
               </a:rPr>
-              <a:t>#SBATCH --tasks-per-node=32</a:t>
+              <a:t>#SBATCH --</a:t>
+            </a:r>
+            <a:r>
+              <a:rPr lang="en-US" dirty="0" err="1">
+                <a:latin typeface="Courier"/>
+                <a:cs typeface="Courier"/>
+              </a:rPr>
+              <a:t>cpus</a:t>
+            </a:r>
+            <a:r>
+              <a:rPr lang="en-US" dirty="0">
+                <a:latin typeface="Courier"/>
+                <a:cs typeface="Courier"/>
+              </a:rPr>
+              <a:t>-per-task=32</a:t>
             </a:r>
           </a:p>
           <a:p>
@@ -10332,7 +10402,21 @@
                 <a:latin typeface="Courier"/>
                 <a:cs typeface="Courier"/>
               </a:rPr>
-              <a:t>#SBATCH --tasks-per-node=32</a:t>
+              <a:t>#SBATCH --</a:t>
+            </a:r>
+            <a:r>
+              <a:rPr lang="en-US" dirty="0" err="1">
+                <a:latin typeface="Courier"/>
+                <a:cs typeface="Courier"/>
+              </a:rPr>
+              <a:t>cpus</a:t>
+            </a:r>
+            <a:r>
+              <a:rPr lang="en-US" dirty="0">
+                <a:latin typeface="Courier"/>
+                <a:cs typeface="Courier"/>
+              </a:rPr>
+              <a:t>-per-task=32</a:t>
             </a:r>
           </a:p>
           <a:p>
@@ -10706,7 +10790,21 @@
                 <a:latin typeface="Courier"/>
                 <a:cs typeface="Courier"/>
               </a:rPr>
-              <a:t>#SBATCH --tasks-per-node=32</a:t>
+              <a:t>#SBATCH --</a:t>
+            </a:r>
+            <a:r>
+              <a:rPr lang="en-US" dirty="0" err="1">
+                <a:latin typeface="Courier"/>
+                <a:cs typeface="Courier"/>
+              </a:rPr>
+              <a:t>cpus</a:t>
+            </a:r>
+            <a:r>
+              <a:rPr lang="en-US" dirty="0">
+                <a:latin typeface="Courier"/>
+                <a:cs typeface="Courier"/>
+              </a:rPr>
+              <a:t>-per-task=32</a:t>
             </a:r>
           </a:p>
           <a:p>
@@ -11106,7 +11204,21 @@
                 <a:latin typeface="Courier"/>
                 <a:cs typeface="Courier"/>
               </a:rPr>
-              <a:t>#SBATCH --tasks-per-node=32</a:t>
+              <a:t>#SBATCH --</a:t>
+            </a:r>
+            <a:r>
+              <a:rPr lang="en-US" dirty="0" err="1">
+                <a:latin typeface="Courier"/>
+                <a:cs typeface="Courier"/>
+              </a:rPr>
+              <a:t>cpus</a:t>
+            </a:r>
+            <a:r>
+              <a:rPr lang="en-US" dirty="0">
+                <a:latin typeface="Courier"/>
+                <a:cs typeface="Courier"/>
+              </a:rPr>
+              <a:t>-per-task=32</a:t>
             </a:r>
           </a:p>
           <a:p>
@@ -11480,7 +11592,21 @@
                 <a:latin typeface="Courier"/>
                 <a:cs typeface="Courier"/>
               </a:rPr>
-              <a:t>#SBATCH --tasks-per-node=32</a:t>
+              <a:t>#SBATCH --</a:t>
+            </a:r>
+            <a:r>
+              <a:rPr lang="en-US" dirty="0" err="1">
+                <a:latin typeface="Courier"/>
+                <a:cs typeface="Courier"/>
+              </a:rPr>
+              <a:t>cpus</a:t>
+            </a:r>
+            <a:r>
+              <a:rPr lang="en-US" dirty="0">
+                <a:latin typeface="Courier"/>
+                <a:cs typeface="Courier"/>
+              </a:rPr>
+              <a:t>-per-task=32</a:t>
             </a:r>
           </a:p>
           <a:p>
@@ -11625,7 +11751,7 @@
         </p:nvSpPr>
         <p:spPr>
           <a:xfrm>
-            <a:off x="4301105" y="5118350"/>
+            <a:off x="4301105" y="5151008"/>
             <a:ext cx="4182555" cy="369332"/>
           </a:xfrm>
           <a:prstGeom prst="rect">
@@ -12027,7 +12153,21 @@
                 <a:latin typeface="Courier"/>
                 <a:cs typeface="Courier"/>
               </a:rPr>
-              <a:t>#SBATCH --tasks-per-node=32</a:t>
+              <a:t>#SBATCH --</a:t>
+            </a:r>
+            <a:r>
+              <a:rPr lang="en-US" dirty="0" err="1">
+                <a:latin typeface="Courier"/>
+                <a:cs typeface="Courier"/>
+              </a:rPr>
+              <a:t>cpus</a:t>
+            </a:r>
+            <a:r>
+              <a:rPr lang="en-US" dirty="0">
+                <a:latin typeface="Courier"/>
+                <a:cs typeface="Courier"/>
+              </a:rPr>
+              <a:t>-per-task=32</a:t>
             </a:r>
           </a:p>
           <a:p>
@@ -12172,9 +12312,9 @@
         </p:nvGrpSpPr>
         <p:grpSpPr>
           <a:xfrm>
-            <a:off x="2106722" y="6086873"/>
+            <a:off x="2106722" y="6119531"/>
             <a:ext cx="3328614" cy="369332"/>
-            <a:chOff x="4892311" y="6320147"/>
+            <a:chOff x="4892311" y="6352805"/>
             <a:chExt cx="3328614" cy="369332"/>
           </a:xfrm>
         </p:grpSpPr>
@@ -12186,7 +12326,7 @@
           </p:nvSpPr>
           <p:spPr>
             <a:xfrm>
-              <a:off x="5681385" y="6320147"/>
+              <a:off x="5681385" y="6352805"/>
               <a:ext cx="2539540" cy="369332"/>
             </a:xfrm>
             <a:prstGeom prst="rect">
